--- a/AKS_05_Security_and_Identity.pptx
+++ b/AKS_05_Security_and_Identity.pptx
@@ -146,20 +146,12 @@
 </p:presentation>
 </file>
 
-<file path=ppt/revisionInfo.xml><?xml version="1.0" encoding="utf-8"?>
-<p1510:revInfo xmlns:a="http://schemas.openxmlformats.org/drawingml/2006/main" xmlns:r="http://schemas.openxmlformats.org/officeDocument/2006/relationships" xmlns:p1510="http://schemas.microsoft.com/office/powerpoint/2015/10/main">
-  <p1510:revLst>
-    <p1510:client id="{BD4A1915-CA71-4F43-B1C7-7BA77CA30EDA}" v="101" dt="2026-01-19T13:08:27.475"/>
-  </p1510:revLst>
-</p1510:revInfo>
-</file>
-
 <file path=ppt/changesInfos/changesInfo1.xml><?xml version="1.0" encoding="utf-8"?>
 <pc:chgInfo xmlns:a="http://schemas.openxmlformats.org/drawingml/2006/main" xmlns:r="http://schemas.openxmlformats.org/officeDocument/2006/relationships" xmlns:ac="http://schemas.microsoft.com/office/drawing/2013/main/command" xmlns:pc="http://schemas.microsoft.com/office/powerpoint/2013/main/command">
   <pc:docChgLst>
     <pc:chgData name="faik bilgen" userId="9fcb1696e65a161f" providerId="LiveId" clId="{0C3A4C9E-717D-4ADE-97E0-B0AD580B3355}"/>
     <pc:docChg chg="undo custSel addSld delSld modSld sldOrd">
-      <pc:chgData name="faik bilgen" userId="9fcb1696e65a161f" providerId="LiveId" clId="{0C3A4C9E-717D-4ADE-97E0-B0AD580B3355}" dt="2026-01-19T13:31:06.491" v="5582" actId="20577"/>
+      <pc:chgData name="faik bilgen" userId="9fcb1696e65a161f" providerId="LiveId" clId="{0C3A4C9E-717D-4ADE-97E0-B0AD580B3355}" dt="2026-02-06T12:11:55.871" v="5584" actId="20577"/>
       <pc:docMkLst>
         <pc:docMk/>
       </pc:docMkLst>
@@ -216,342 +208,6 @@
           </ac:spMkLst>
         </pc:spChg>
       </pc:sldChg>
-      <pc:sldChg chg="del">
-        <pc:chgData name="faik bilgen" userId="9fcb1696e65a161f" providerId="LiveId" clId="{0C3A4C9E-717D-4ADE-97E0-B0AD580B3355}" dt="2026-01-19T08:30:12.240" v="4976" actId="47"/>
-        <pc:sldMkLst>
-          <pc:docMk/>
-          <pc:sldMk cId="1280037439" sldId="284"/>
-        </pc:sldMkLst>
-      </pc:sldChg>
-      <pc:sldChg chg="modSp del mod">
-        <pc:chgData name="faik bilgen" userId="9fcb1696e65a161f" providerId="LiveId" clId="{0C3A4C9E-717D-4ADE-97E0-B0AD580B3355}" dt="2026-01-19T08:30:12.240" v="4976" actId="47"/>
-        <pc:sldMkLst>
-          <pc:docMk/>
-          <pc:sldMk cId="413130814" sldId="285"/>
-        </pc:sldMkLst>
-      </pc:sldChg>
-      <pc:sldChg chg="del">
-        <pc:chgData name="faik bilgen" userId="9fcb1696e65a161f" providerId="LiveId" clId="{0C3A4C9E-717D-4ADE-97E0-B0AD580B3355}" dt="2026-01-19T08:30:12.240" v="4976" actId="47"/>
-        <pc:sldMkLst>
-          <pc:docMk/>
-          <pc:sldMk cId="3038040624" sldId="286"/>
-        </pc:sldMkLst>
-      </pc:sldChg>
-      <pc:sldChg chg="del">
-        <pc:chgData name="faik bilgen" userId="9fcb1696e65a161f" providerId="LiveId" clId="{0C3A4C9E-717D-4ADE-97E0-B0AD580B3355}" dt="2026-01-19T08:30:12.240" v="4976" actId="47"/>
-        <pc:sldMkLst>
-          <pc:docMk/>
-          <pc:sldMk cId="3043854610" sldId="287"/>
-        </pc:sldMkLst>
-      </pc:sldChg>
-      <pc:sldChg chg="del">
-        <pc:chgData name="faik bilgen" userId="9fcb1696e65a161f" providerId="LiveId" clId="{0C3A4C9E-717D-4ADE-97E0-B0AD580B3355}" dt="2026-01-19T08:30:12.240" v="4976" actId="47"/>
-        <pc:sldMkLst>
-          <pc:docMk/>
-          <pc:sldMk cId="2666904521" sldId="288"/>
-        </pc:sldMkLst>
-      </pc:sldChg>
-      <pc:sldChg chg="del">
-        <pc:chgData name="faik bilgen" userId="9fcb1696e65a161f" providerId="LiveId" clId="{0C3A4C9E-717D-4ADE-97E0-B0AD580B3355}" dt="2026-01-19T08:30:12.240" v="4976" actId="47"/>
-        <pc:sldMkLst>
-          <pc:docMk/>
-          <pc:sldMk cId="4201830527" sldId="289"/>
-        </pc:sldMkLst>
-      </pc:sldChg>
-      <pc:sldChg chg="del">
-        <pc:chgData name="faik bilgen" userId="9fcb1696e65a161f" providerId="LiveId" clId="{0C3A4C9E-717D-4ADE-97E0-B0AD580B3355}" dt="2026-01-19T08:30:12.240" v="4976" actId="47"/>
-        <pc:sldMkLst>
-          <pc:docMk/>
-          <pc:sldMk cId="2001816398" sldId="290"/>
-        </pc:sldMkLst>
-      </pc:sldChg>
-      <pc:sldChg chg="del">
-        <pc:chgData name="faik bilgen" userId="9fcb1696e65a161f" providerId="LiveId" clId="{0C3A4C9E-717D-4ADE-97E0-B0AD580B3355}" dt="2026-01-19T08:30:12.240" v="4976" actId="47"/>
-        <pc:sldMkLst>
-          <pc:docMk/>
-          <pc:sldMk cId="3701918185" sldId="292"/>
-        </pc:sldMkLst>
-      </pc:sldChg>
-      <pc:sldChg chg="del">
-        <pc:chgData name="faik bilgen" userId="9fcb1696e65a161f" providerId="LiveId" clId="{0C3A4C9E-717D-4ADE-97E0-B0AD580B3355}" dt="2026-01-19T08:30:12.240" v="4976" actId="47"/>
-        <pc:sldMkLst>
-          <pc:docMk/>
-          <pc:sldMk cId="903027820" sldId="293"/>
-        </pc:sldMkLst>
-      </pc:sldChg>
-      <pc:sldChg chg="del">
-        <pc:chgData name="faik bilgen" userId="9fcb1696e65a161f" providerId="LiveId" clId="{0C3A4C9E-717D-4ADE-97E0-B0AD580B3355}" dt="2026-01-19T08:30:12.240" v="4976" actId="47"/>
-        <pc:sldMkLst>
-          <pc:docMk/>
-          <pc:sldMk cId="1985601365" sldId="294"/>
-        </pc:sldMkLst>
-      </pc:sldChg>
-      <pc:sldChg chg="del">
-        <pc:chgData name="faik bilgen" userId="9fcb1696e65a161f" providerId="LiveId" clId="{0C3A4C9E-717D-4ADE-97E0-B0AD580B3355}" dt="2026-01-19T08:30:12.240" v="4976" actId="47"/>
-        <pc:sldMkLst>
-          <pc:docMk/>
-          <pc:sldMk cId="1779925364" sldId="295"/>
-        </pc:sldMkLst>
-      </pc:sldChg>
-      <pc:sldChg chg="del">
-        <pc:chgData name="faik bilgen" userId="9fcb1696e65a161f" providerId="LiveId" clId="{0C3A4C9E-717D-4ADE-97E0-B0AD580B3355}" dt="2026-01-19T08:30:12.240" v="4976" actId="47"/>
-        <pc:sldMkLst>
-          <pc:docMk/>
-          <pc:sldMk cId="2337829577" sldId="296"/>
-        </pc:sldMkLst>
-      </pc:sldChg>
-      <pc:sldChg chg="del">
-        <pc:chgData name="faik bilgen" userId="9fcb1696e65a161f" providerId="LiveId" clId="{0C3A4C9E-717D-4ADE-97E0-B0AD580B3355}" dt="2026-01-19T08:30:12.240" v="4976" actId="47"/>
-        <pc:sldMkLst>
-          <pc:docMk/>
-          <pc:sldMk cId="2758371294" sldId="297"/>
-        </pc:sldMkLst>
-      </pc:sldChg>
-      <pc:sldChg chg="del">
-        <pc:chgData name="faik bilgen" userId="9fcb1696e65a161f" providerId="LiveId" clId="{0C3A4C9E-717D-4ADE-97E0-B0AD580B3355}" dt="2026-01-19T08:30:12.240" v="4976" actId="47"/>
-        <pc:sldMkLst>
-          <pc:docMk/>
-          <pc:sldMk cId="827202394" sldId="298"/>
-        </pc:sldMkLst>
-      </pc:sldChg>
-      <pc:sldChg chg="addSp delSp modSp add del mod ord">
-        <pc:chgData name="faik bilgen" userId="9fcb1696e65a161f" providerId="LiveId" clId="{0C3A4C9E-717D-4ADE-97E0-B0AD580B3355}" dt="2026-01-19T08:30:12.240" v="4976" actId="47"/>
-        <pc:sldMkLst>
-          <pc:docMk/>
-          <pc:sldMk cId="2895140611" sldId="299"/>
-        </pc:sldMkLst>
-      </pc:sldChg>
-      <pc:sldChg chg="addSp modSp add del mod ord">
-        <pc:chgData name="faik bilgen" userId="9fcb1696e65a161f" providerId="LiveId" clId="{0C3A4C9E-717D-4ADE-97E0-B0AD580B3355}" dt="2026-01-19T08:30:12.240" v="4976" actId="47"/>
-        <pc:sldMkLst>
-          <pc:docMk/>
-          <pc:sldMk cId="3092654538" sldId="300"/>
-        </pc:sldMkLst>
-      </pc:sldChg>
-      <pc:sldChg chg="addSp modSp add del mod">
-        <pc:chgData name="faik bilgen" userId="9fcb1696e65a161f" providerId="LiveId" clId="{0C3A4C9E-717D-4ADE-97E0-B0AD580B3355}" dt="2026-01-19T08:30:12.240" v="4976" actId="47"/>
-        <pc:sldMkLst>
-          <pc:docMk/>
-          <pc:sldMk cId="4067351338" sldId="301"/>
-        </pc:sldMkLst>
-      </pc:sldChg>
-      <pc:sldChg chg="addSp delSp modSp add del mod">
-        <pc:chgData name="faik bilgen" userId="9fcb1696e65a161f" providerId="LiveId" clId="{0C3A4C9E-717D-4ADE-97E0-B0AD580B3355}" dt="2026-01-19T08:30:12.240" v="4976" actId="47"/>
-        <pc:sldMkLst>
-          <pc:docMk/>
-          <pc:sldMk cId="583957781" sldId="302"/>
-        </pc:sldMkLst>
-      </pc:sldChg>
-      <pc:sldChg chg="delSp modSp add del mod">
-        <pc:chgData name="faik bilgen" userId="9fcb1696e65a161f" providerId="LiveId" clId="{0C3A4C9E-717D-4ADE-97E0-B0AD580B3355}" dt="2026-01-19T08:30:12.240" v="4976" actId="47"/>
-        <pc:sldMkLst>
-          <pc:docMk/>
-          <pc:sldMk cId="3950170324" sldId="303"/>
-        </pc:sldMkLst>
-      </pc:sldChg>
-      <pc:sldChg chg="addSp delSp modSp add del mod">
-        <pc:chgData name="faik bilgen" userId="9fcb1696e65a161f" providerId="LiveId" clId="{0C3A4C9E-717D-4ADE-97E0-B0AD580B3355}" dt="2026-01-19T08:30:12.240" v="4976" actId="47"/>
-        <pc:sldMkLst>
-          <pc:docMk/>
-          <pc:sldMk cId="2540071051" sldId="304"/>
-        </pc:sldMkLst>
-      </pc:sldChg>
-      <pc:sldChg chg="addSp delSp modSp add del mod">
-        <pc:chgData name="faik bilgen" userId="9fcb1696e65a161f" providerId="LiveId" clId="{0C3A4C9E-717D-4ADE-97E0-B0AD580B3355}" dt="2026-01-19T08:30:12.240" v="4976" actId="47"/>
-        <pc:sldMkLst>
-          <pc:docMk/>
-          <pc:sldMk cId="165835781" sldId="305"/>
-        </pc:sldMkLst>
-      </pc:sldChg>
-      <pc:sldChg chg="modSp new del mod">
-        <pc:chgData name="faik bilgen" userId="9fcb1696e65a161f" providerId="LiveId" clId="{0C3A4C9E-717D-4ADE-97E0-B0AD580B3355}" dt="2026-01-19T08:30:12.240" v="4976" actId="47"/>
-        <pc:sldMkLst>
-          <pc:docMk/>
-          <pc:sldMk cId="3058817951" sldId="306"/>
-        </pc:sldMkLst>
-      </pc:sldChg>
-      <pc:sldChg chg="modSp add del mod">
-        <pc:chgData name="faik bilgen" userId="9fcb1696e65a161f" providerId="LiveId" clId="{0C3A4C9E-717D-4ADE-97E0-B0AD580B3355}" dt="2026-01-19T08:30:12.240" v="4976" actId="47"/>
-        <pc:sldMkLst>
-          <pc:docMk/>
-          <pc:sldMk cId="2278978057" sldId="307"/>
-        </pc:sldMkLst>
-      </pc:sldChg>
-      <pc:sldChg chg="modSp add del mod ord">
-        <pc:chgData name="faik bilgen" userId="9fcb1696e65a161f" providerId="LiveId" clId="{0C3A4C9E-717D-4ADE-97E0-B0AD580B3355}" dt="2026-01-19T08:30:12.240" v="4976" actId="47"/>
-        <pc:sldMkLst>
-          <pc:docMk/>
-          <pc:sldMk cId="4056952954" sldId="308"/>
-        </pc:sldMkLst>
-      </pc:sldChg>
-      <pc:sldChg chg="addSp delSp modSp add del mod ord">
-        <pc:chgData name="faik bilgen" userId="9fcb1696e65a161f" providerId="LiveId" clId="{0C3A4C9E-717D-4ADE-97E0-B0AD580B3355}" dt="2026-01-19T08:30:12.240" v="4976" actId="47"/>
-        <pc:sldMkLst>
-          <pc:docMk/>
-          <pc:sldMk cId="1816987502" sldId="309"/>
-        </pc:sldMkLst>
-      </pc:sldChg>
-      <pc:sldChg chg="modSp add del mod">
-        <pc:chgData name="faik bilgen" userId="9fcb1696e65a161f" providerId="LiveId" clId="{0C3A4C9E-717D-4ADE-97E0-B0AD580B3355}" dt="2026-01-19T08:30:12.240" v="4976" actId="47"/>
-        <pc:sldMkLst>
-          <pc:docMk/>
-          <pc:sldMk cId="3225331830" sldId="310"/>
-        </pc:sldMkLst>
-      </pc:sldChg>
-      <pc:sldChg chg="addSp modSp add del mod">
-        <pc:chgData name="faik bilgen" userId="9fcb1696e65a161f" providerId="LiveId" clId="{0C3A4C9E-717D-4ADE-97E0-B0AD580B3355}" dt="2026-01-19T08:30:12.240" v="4976" actId="47"/>
-        <pc:sldMkLst>
-          <pc:docMk/>
-          <pc:sldMk cId="1400754023" sldId="311"/>
-        </pc:sldMkLst>
-      </pc:sldChg>
-      <pc:sldChg chg="modSp add del mod">
-        <pc:chgData name="faik bilgen" userId="9fcb1696e65a161f" providerId="LiveId" clId="{0C3A4C9E-717D-4ADE-97E0-B0AD580B3355}" dt="2026-01-19T08:30:12.240" v="4976" actId="47"/>
-        <pc:sldMkLst>
-          <pc:docMk/>
-          <pc:sldMk cId="1349980952" sldId="312"/>
-        </pc:sldMkLst>
-      </pc:sldChg>
-      <pc:sldChg chg="delSp modSp add del mod">
-        <pc:chgData name="faik bilgen" userId="9fcb1696e65a161f" providerId="LiveId" clId="{0C3A4C9E-717D-4ADE-97E0-B0AD580B3355}" dt="2026-01-19T08:30:12.240" v="4976" actId="47"/>
-        <pc:sldMkLst>
-          <pc:docMk/>
-          <pc:sldMk cId="101886985" sldId="313"/>
-        </pc:sldMkLst>
-      </pc:sldChg>
-      <pc:sldChg chg="delSp modSp add del mod">
-        <pc:chgData name="faik bilgen" userId="9fcb1696e65a161f" providerId="LiveId" clId="{0C3A4C9E-717D-4ADE-97E0-B0AD580B3355}" dt="2026-01-19T08:30:12.240" v="4976" actId="47"/>
-        <pc:sldMkLst>
-          <pc:docMk/>
-          <pc:sldMk cId="1302287135" sldId="314"/>
-        </pc:sldMkLst>
-      </pc:sldChg>
-      <pc:sldChg chg="delSp modSp add del mod ord">
-        <pc:chgData name="faik bilgen" userId="9fcb1696e65a161f" providerId="LiveId" clId="{0C3A4C9E-717D-4ADE-97E0-B0AD580B3355}" dt="2026-01-19T08:30:12.240" v="4976" actId="47"/>
-        <pc:sldMkLst>
-          <pc:docMk/>
-          <pc:sldMk cId="3907425655" sldId="315"/>
-        </pc:sldMkLst>
-      </pc:sldChg>
-      <pc:sldChg chg="addSp delSp modSp add del mod">
-        <pc:chgData name="faik bilgen" userId="9fcb1696e65a161f" providerId="LiveId" clId="{0C3A4C9E-717D-4ADE-97E0-B0AD580B3355}" dt="2026-01-19T08:30:12.240" v="4976" actId="47"/>
-        <pc:sldMkLst>
-          <pc:docMk/>
-          <pc:sldMk cId="3575770827" sldId="316"/>
-        </pc:sldMkLst>
-      </pc:sldChg>
-      <pc:sldChg chg="addSp delSp modSp add del mod">
-        <pc:chgData name="faik bilgen" userId="9fcb1696e65a161f" providerId="LiveId" clId="{0C3A4C9E-717D-4ADE-97E0-B0AD580B3355}" dt="2026-01-19T08:30:12.240" v="4976" actId="47"/>
-        <pc:sldMkLst>
-          <pc:docMk/>
-          <pc:sldMk cId="3596573651" sldId="317"/>
-        </pc:sldMkLst>
-      </pc:sldChg>
-      <pc:sldChg chg="modSp add del mod">
-        <pc:chgData name="faik bilgen" userId="9fcb1696e65a161f" providerId="LiveId" clId="{0C3A4C9E-717D-4ADE-97E0-B0AD580B3355}" dt="2026-01-19T08:30:12.240" v="4976" actId="47"/>
-        <pc:sldMkLst>
-          <pc:docMk/>
-          <pc:sldMk cId="186061912" sldId="318"/>
-        </pc:sldMkLst>
-      </pc:sldChg>
-      <pc:sldChg chg="modSp add del mod ord">
-        <pc:chgData name="faik bilgen" userId="9fcb1696e65a161f" providerId="LiveId" clId="{0C3A4C9E-717D-4ADE-97E0-B0AD580B3355}" dt="2026-01-19T08:30:12.240" v="4976" actId="47"/>
-        <pc:sldMkLst>
-          <pc:docMk/>
-          <pc:sldMk cId="3228626609" sldId="319"/>
-        </pc:sldMkLst>
-      </pc:sldChg>
-      <pc:sldChg chg="add del">
-        <pc:chgData name="faik bilgen" userId="9fcb1696e65a161f" providerId="LiveId" clId="{0C3A4C9E-717D-4ADE-97E0-B0AD580B3355}" dt="2026-01-19T08:30:12.240" v="4976" actId="47"/>
-        <pc:sldMkLst>
-          <pc:docMk/>
-          <pc:sldMk cId="2519155230" sldId="320"/>
-        </pc:sldMkLst>
-      </pc:sldChg>
-      <pc:sldChg chg="modSp add del mod ord">
-        <pc:chgData name="faik bilgen" userId="9fcb1696e65a161f" providerId="LiveId" clId="{0C3A4C9E-717D-4ADE-97E0-B0AD580B3355}" dt="2026-01-19T08:30:12.240" v="4976" actId="47"/>
-        <pc:sldMkLst>
-          <pc:docMk/>
-          <pc:sldMk cId="1623904069" sldId="321"/>
-        </pc:sldMkLst>
-      </pc:sldChg>
-      <pc:sldChg chg="addSp delSp modSp new del mod setBg">
-        <pc:chgData name="faik bilgen" userId="9fcb1696e65a161f" providerId="LiveId" clId="{0C3A4C9E-717D-4ADE-97E0-B0AD580B3355}" dt="2026-01-19T08:30:12.240" v="4976" actId="47"/>
-        <pc:sldMkLst>
-          <pc:docMk/>
-          <pc:sldMk cId="2699443842" sldId="322"/>
-        </pc:sldMkLst>
-      </pc:sldChg>
-      <pc:sldChg chg="addSp delSp modSp add del mod addAnim delAnim">
-        <pc:chgData name="faik bilgen" userId="9fcb1696e65a161f" providerId="LiveId" clId="{0C3A4C9E-717D-4ADE-97E0-B0AD580B3355}" dt="2026-01-19T08:30:12.240" v="4976" actId="47"/>
-        <pc:sldMkLst>
-          <pc:docMk/>
-          <pc:sldMk cId="815583536" sldId="323"/>
-        </pc:sldMkLst>
-      </pc:sldChg>
-      <pc:sldChg chg="addSp delSp modSp new del mod">
-        <pc:chgData name="faik bilgen" userId="9fcb1696e65a161f" providerId="LiveId" clId="{0C3A4C9E-717D-4ADE-97E0-B0AD580B3355}" dt="2026-01-19T08:30:12.240" v="4976" actId="47"/>
-        <pc:sldMkLst>
-          <pc:docMk/>
-          <pc:sldMk cId="4116732816" sldId="324"/>
-        </pc:sldMkLst>
-      </pc:sldChg>
-      <pc:sldChg chg="modSp add del mod">
-        <pc:chgData name="faik bilgen" userId="9fcb1696e65a161f" providerId="LiveId" clId="{0C3A4C9E-717D-4ADE-97E0-B0AD580B3355}" dt="2026-01-19T08:30:12.240" v="4976" actId="47"/>
-        <pc:sldMkLst>
-          <pc:docMk/>
-          <pc:sldMk cId="3698575162" sldId="325"/>
-        </pc:sldMkLst>
-      </pc:sldChg>
-      <pc:sldChg chg="modSp add del mod">
-        <pc:chgData name="faik bilgen" userId="9fcb1696e65a161f" providerId="LiveId" clId="{0C3A4C9E-717D-4ADE-97E0-B0AD580B3355}" dt="2026-01-19T08:30:12.240" v="4976" actId="47"/>
-        <pc:sldMkLst>
-          <pc:docMk/>
-          <pc:sldMk cId="2449768822" sldId="326"/>
-        </pc:sldMkLst>
-      </pc:sldChg>
-      <pc:sldChg chg="addSp delSp modSp add del mod">
-        <pc:chgData name="faik bilgen" userId="9fcb1696e65a161f" providerId="LiveId" clId="{0C3A4C9E-717D-4ADE-97E0-B0AD580B3355}" dt="2026-01-19T08:30:12.240" v="4976" actId="47"/>
-        <pc:sldMkLst>
-          <pc:docMk/>
-          <pc:sldMk cId="1258146300" sldId="327"/>
-        </pc:sldMkLst>
-      </pc:sldChg>
-      <pc:sldChg chg="addSp delSp modSp add del mod">
-        <pc:chgData name="faik bilgen" userId="9fcb1696e65a161f" providerId="LiveId" clId="{0C3A4C9E-717D-4ADE-97E0-B0AD580B3355}" dt="2026-01-19T08:30:12.240" v="4976" actId="47"/>
-        <pc:sldMkLst>
-          <pc:docMk/>
-          <pc:sldMk cId="992742952" sldId="328"/>
-        </pc:sldMkLst>
-      </pc:sldChg>
-      <pc:sldChg chg="add del">
-        <pc:chgData name="faik bilgen" userId="9fcb1696e65a161f" providerId="LiveId" clId="{0C3A4C9E-717D-4ADE-97E0-B0AD580B3355}" dt="2026-01-19T08:30:12.240" v="4976" actId="47"/>
-        <pc:sldMkLst>
-          <pc:docMk/>
-          <pc:sldMk cId="2074219807" sldId="329"/>
-        </pc:sldMkLst>
-      </pc:sldChg>
-      <pc:sldChg chg="addSp delSp modSp add del mod">
-        <pc:chgData name="faik bilgen" userId="9fcb1696e65a161f" providerId="LiveId" clId="{0C3A4C9E-717D-4ADE-97E0-B0AD580B3355}" dt="2026-01-19T08:30:12.240" v="4976" actId="47"/>
-        <pc:sldMkLst>
-          <pc:docMk/>
-          <pc:sldMk cId="413828327" sldId="330"/>
-        </pc:sldMkLst>
-      </pc:sldChg>
-      <pc:sldChg chg="addSp delSp modSp add del mod">
-        <pc:chgData name="faik bilgen" userId="9fcb1696e65a161f" providerId="LiveId" clId="{0C3A4C9E-717D-4ADE-97E0-B0AD580B3355}" dt="2026-01-19T08:30:12.240" v="4976" actId="47"/>
-        <pc:sldMkLst>
-          <pc:docMk/>
-          <pc:sldMk cId="3049912915" sldId="331"/>
-        </pc:sldMkLst>
-      </pc:sldChg>
-      <pc:sldChg chg="addSp delSp modSp new del mod">
-        <pc:chgData name="faik bilgen" userId="9fcb1696e65a161f" providerId="LiveId" clId="{0C3A4C9E-717D-4ADE-97E0-B0AD580B3355}" dt="2026-01-19T08:30:12.240" v="4976" actId="47"/>
-        <pc:sldMkLst>
-          <pc:docMk/>
-          <pc:sldMk cId="4037468409" sldId="333"/>
-        </pc:sldMkLst>
-      </pc:sldChg>
       <pc:sldChg chg="addSp delSp modSp new mod setBg">
         <pc:chgData name="faik bilgen" userId="9fcb1696e65a161f" providerId="LiveId" clId="{0C3A4C9E-717D-4ADE-97E0-B0AD580B3355}" dt="2026-01-17T12:38:38.133" v="4157" actId="26606"/>
         <pc:sldMkLst>
@@ -606,13 +262,6 @@
           </ac:spMkLst>
         </pc:spChg>
       </pc:sldChg>
-      <pc:sldChg chg="modSp add del mod ord">
-        <pc:chgData name="faik bilgen" userId="9fcb1696e65a161f" providerId="LiveId" clId="{0C3A4C9E-717D-4ADE-97E0-B0AD580B3355}" dt="2026-01-19T08:30:12.240" v="4976" actId="47"/>
-        <pc:sldMkLst>
-          <pc:docMk/>
-          <pc:sldMk cId="3793066071" sldId="336"/>
-        </pc:sldMkLst>
-      </pc:sldChg>
       <pc:sldChg chg="modSp add mod">
         <pc:chgData name="faik bilgen" userId="9fcb1696e65a161f" providerId="LiveId" clId="{0C3A4C9E-717D-4ADE-97E0-B0AD580B3355}" dt="2026-01-18T08:08:00.427" v="4282" actId="14100"/>
         <pc:sldMkLst>
@@ -634,22 +283,6 @@
           <pc:docMk/>
           <pc:sldMk cId="3728687266" sldId="338"/>
         </pc:sldMkLst>
-        <pc:spChg chg="del">
-          <ac:chgData name="faik bilgen" userId="9fcb1696e65a161f" providerId="LiveId" clId="{0C3A4C9E-717D-4ADE-97E0-B0AD580B3355}" dt="2026-01-18T08:08:09.631" v="4284" actId="478"/>
-          <ac:spMkLst>
-            <pc:docMk/>
-            <pc:sldMk cId="3728687266" sldId="338"/>
-            <ac:spMk id="3" creationId="{D5709801-9022-F16A-B610-4A98C3B29C1F}"/>
-          </ac:spMkLst>
-        </pc:spChg>
-        <pc:spChg chg="add del mod">
-          <ac:chgData name="faik bilgen" userId="9fcb1696e65a161f" providerId="LiveId" clId="{0C3A4C9E-717D-4ADE-97E0-B0AD580B3355}" dt="2026-01-18T08:08:25.001" v="4285" actId="478"/>
-          <ac:spMkLst>
-            <pc:docMk/>
-            <pc:sldMk cId="3728687266" sldId="338"/>
-            <ac:spMk id="5" creationId="{7564D6AD-6697-11F8-92BD-0B654482457D}"/>
-          </ac:spMkLst>
-        </pc:spChg>
         <pc:spChg chg="add mod">
           <ac:chgData name="faik bilgen" userId="9fcb1696e65a161f" providerId="LiveId" clId="{0C3A4C9E-717D-4ADE-97E0-B0AD580B3355}" dt="2026-01-18T08:16:27.585" v="4352" actId="108"/>
           <ac:spMkLst>
@@ -683,83 +316,12 @@
           </ac:spMkLst>
         </pc:spChg>
       </pc:sldChg>
-      <pc:sldChg chg="addSp delSp modSp add del mod">
-        <pc:chgData name="faik bilgen" userId="9fcb1696e65a161f" providerId="LiveId" clId="{0C3A4C9E-717D-4ADE-97E0-B0AD580B3355}" dt="2026-01-18T08:25:37.146" v="4537" actId="47"/>
-        <pc:sldMkLst>
-          <pc:docMk/>
-          <pc:sldMk cId="227589672" sldId="339"/>
-        </pc:sldMkLst>
-        <pc:spChg chg="mod">
-          <ac:chgData name="faik bilgen" userId="9fcb1696e65a161f" providerId="LiveId" clId="{0C3A4C9E-717D-4ADE-97E0-B0AD580B3355}" dt="2026-01-18T08:18:07.406" v="4376" actId="20577"/>
-          <ac:spMkLst>
-            <pc:docMk/>
-            <pc:sldMk cId="227589672" sldId="339"/>
-            <ac:spMk id="2" creationId="{F1540A67-E7A2-A3E8-8DC1-52E4FA315472}"/>
-          </ac:spMkLst>
-        </pc:spChg>
-        <pc:spChg chg="del">
-          <ac:chgData name="faik bilgen" userId="9fcb1696e65a161f" providerId="LiveId" clId="{0C3A4C9E-717D-4ADE-97E0-B0AD580B3355}" dt="2026-01-18T08:18:17.540" v="4377" actId="478"/>
-          <ac:spMkLst>
-            <pc:docMk/>
-            <pc:sldMk cId="227589672" sldId="339"/>
-            <ac:spMk id="7" creationId="{615E9E1E-4E64-63B0-E97E-382F11D1E063}"/>
-          </ac:spMkLst>
-        </pc:spChg>
-        <pc:spChg chg="del">
-          <ac:chgData name="faik bilgen" userId="9fcb1696e65a161f" providerId="LiveId" clId="{0C3A4C9E-717D-4ADE-97E0-B0AD580B3355}" dt="2026-01-18T08:18:17.540" v="4377" actId="478"/>
-          <ac:spMkLst>
-            <pc:docMk/>
-            <pc:sldMk cId="227589672" sldId="339"/>
-            <ac:spMk id="11" creationId="{D606F8C2-0515-C8E2-B525-7258FCE94C4C}"/>
-          </ac:spMkLst>
-        </pc:spChg>
-        <pc:spChg chg="del">
-          <ac:chgData name="faik bilgen" userId="9fcb1696e65a161f" providerId="LiveId" clId="{0C3A4C9E-717D-4ADE-97E0-B0AD580B3355}" dt="2026-01-18T08:18:17.540" v="4377" actId="478"/>
-          <ac:spMkLst>
-            <pc:docMk/>
-            <pc:sldMk cId="227589672" sldId="339"/>
-            <ac:spMk id="15" creationId="{6D21BDE3-4CA6-E29D-CA26-A1F4F6EBB191}"/>
-          </ac:spMkLst>
-        </pc:spChg>
-        <pc:spChg chg="del">
-          <ac:chgData name="faik bilgen" userId="9fcb1696e65a161f" providerId="LiveId" clId="{0C3A4C9E-717D-4ADE-97E0-B0AD580B3355}" dt="2026-01-18T08:18:17.540" v="4377" actId="478"/>
-          <ac:spMkLst>
-            <pc:docMk/>
-            <pc:sldMk cId="227589672" sldId="339"/>
-            <ac:spMk id="17" creationId="{9177F673-1A0A-F7A4-4AF3-5752C5A2921C}"/>
-          </ac:spMkLst>
-        </pc:spChg>
-        <pc:picChg chg="add mod">
-          <ac:chgData name="faik bilgen" userId="9fcb1696e65a161f" providerId="LiveId" clId="{0C3A4C9E-717D-4ADE-97E0-B0AD580B3355}" dt="2026-01-18T08:19:41.350" v="4381" actId="1076"/>
-          <ac:picMkLst>
-            <pc:docMk/>
-            <pc:sldMk cId="227589672" sldId="339"/>
-            <ac:picMk id="3" creationId="{C8CDB606-14C3-526C-B27C-75A4D4576B9A}"/>
-          </ac:picMkLst>
-        </pc:picChg>
-      </pc:sldChg>
       <pc:sldChg chg="addSp delSp modSp new mod setBg">
         <pc:chgData name="faik bilgen" userId="9fcb1696e65a161f" providerId="LiveId" clId="{0C3A4C9E-717D-4ADE-97E0-B0AD580B3355}" dt="2026-01-18T08:24:54.156" v="4536" actId="1037"/>
         <pc:sldMkLst>
           <pc:docMk/>
           <pc:sldMk cId="1338012161" sldId="340"/>
         </pc:sldMkLst>
-        <pc:spChg chg="del">
-          <ac:chgData name="faik bilgen" userId="9fcb1696e65a161f" providerId="LiveId" clId="{0C3A4C9E-717D-4ADE-97E0-B0AD580B3355}" dt="2026-01-18T08:20:19.402" v="4383" actId="478"/>
-          <ac:spMkLst>
-            <pc:docMk/>
-            <pc:sldMk cId="1338012161" sldId="340"/>
-            <ac:spMk id="2" creationId="{AE85AC49-70F7-3B1C-CEAB-7998F19FC48C}"/>
-          </ac:spMkLst>
-        </pc:spChg>
-        <pc:spChg chg="del">
-          <ac:chgData name="faik bilgen" userId="9fcb1696e65a161f" providerId="LiveId" clId="{0C3A4C9E-717D-4ADE-97E0-B0AD580B3355}" dt="2026-01-18T08:20:22.060" v="4384" actId="478"/>
-          <ac:spMkLst>
-            <pc:docMk/>
-            <pc:sldMk cId="1338012161" sldId="340"/>
-            <ac:spMk id="3" creationId="{B24AE5F0-36CD-FFA9-9487-538E424E4677}"/>
-          </ac:spMkLst>
-        </pc:spChg>
         <pc:spChg chg="add mod ord">
           <ac:chgData name="faik bilgen" userId="9fcb1696e65a161f" providerId="LiveId" clId="{0C3A4C9E-717D-4ADE-97E0-B0AD580B3355}" dt="2026-01-18T08:24:38.330" v="4480" actId="948"/>
           <ac:spMkLst>
@@ -801,37 +363,6 @@
           </ac:picMkLst>
         </pc:picChg>
       </pc:sldChg>
-      <pc:sldChg chg="delSp modSp add del mod">
-        <pc:chgData name="faik bilgen" userId="9fcb1696e65a161f" providerId="LiveId" clId="{0C3A4C9E-717D-4ADE-97E0-B0AD580B3355}" dt="2026-01-18T11:40:17.488" v="4619" actId="47"/>
-        <pc:sldMkLst>
-          <pc:docMk/>
-          <pc:sldMk cId="3069926188" sldId="341"/>
-        </pc:sldMkLst>
-        <pc:spChg chg="del">
-          <ac:chgData name="faik bilgen" userId="9fcb1696e65a161f" providerId="LiveId" clId="{0C3A4C9E-717D-4ADE-97E0-B0AD580B3355}" dt="2026-01-18T11:38:35.746" v="4572" actId="478"/>
-          <ac:spMkLst>
-            <pc:docMk/>
-            <pc:sldMk cId="3069926188" sldId="341"/>
-            <ac:spMk id="6" creationId="{454E369C-8D4C-2CFF-EDB2-818873FDCF1F}"/>
-          </ac:spMkLst>
-        </pc:spChg>
-        <pc:spChg chg="mod">
-          <ac:chgData name="faik bilgen" userId="9fcb1696e65a161f" providerId="LiveId" clId="{0C3A4C9E-717D-4ADE-97E0-B0AD580B3355}" dt="2026-01-18T11:38:57.846" v="4578" actId="27636"/>
-          <ac:spMkLst>
-            <pc:docMk/>
-            <pc:sldMk cId="3069926188" sldId="341"/>
-            <ac:spMk id="7" creationId="{6BDFB1D7-FA6F-E3E6-7B04-877B562AF122}"/>
-          </ac:spMkLst>
-        </pc:spChg>
-        <pc:picChg chg="del">
-          <ac:chgData name="faik bilgen" userId="9fcb1696e65a161f" providerId="LiveId" clId="{0C3A4C9E-717D-4ADE-97E0-B0AD580B3355}" dt="2026-01-18T11:38:38.618" v="4573" actId="478"/>
-          <ac:picMkLst>
-            <pc:docMk/>
-            <pc:sldMk cId="3069926188" sldId="341"/>
-            <ac:picMk id="4" creationId="{95008092-44B9-EDB1-7508-DA3A149EED05}"/>
-          </ac:picMkLst>
-        </pc:picChg>
-      </pc:sldChg>
       <pc:sldChg chg="addSp delSp modSp new mod setBg addAnim">
         <pc:chgData name="faik bilgen" userId="9fcb1696e65a161f" providerId="LiveId" clId="{0C3A4C9E-717D-4ADE-97E0-B0AD580B3355}" dt="2026-01-18T11:51:55.718" v="4714" actId="14100"/>
         <pc:sldMkLst>
@@ -844,14 +375,6 @@
             <pc:docMk/>
             <pc:sldMk cId="3293302071" sldId="342"/>
             <ac:spMk id="2" creationId="{3CEFA974-4C98-9B69-D243-3F864748CE23}"/>
-          </ac:spMkLst>
-        </pc:spChg>
-        <pc:spChg chg="del">
-          <ac:chgData name="faik bilgen" userId="9fcb1696e65a161f" providerId="LiveId" clId="{0C3A4C9E-717D-4ADE-97E0-B0AD580B3355}" dt="2026-01-18T11:39:16.329" v="4580" actId="478"/>
-          <ac:spMkLst>
-            <pc:docMk/>
-            <pc:sldMk cId="3293302071" sldId="342"/>
-            <ac:spMk id="3" creationId="{7A89CADB-BFFA-48AB-68C5-7C55F96D7700}"/>
           </ac:spMkLst>
         </pc:spChg>
         <pc:spChg chg="add">
@@ -870,14 +393,6 @@
             <ac:spMk id="11" creationId="{F49775AF-8896-43EE-92C6-83497D6DC56F}"/>
           </ac:spMkLst>
         </pc:spChg>
-        <pc:picChg chg="add del mod">
-          <ac:chgData name="faik bilgen" userId="9fcb1696e65a161f" providerId="LiveId" clId="{0C3A4C9E-717D-4ADE-97E0-B0AD580B3355}" dt="2026-01-18T11:40:01.663" v="4616" actId="478"/>
-          <ac:picMkLst>
-            <pc:docMk/>
-            <pc:sldMk cId="3293302071" sldId="342"/>
-            <ac:picMk id="4" creationId="{9FD1D621-C531-1D8E-7679-89B9F3A66402}"/>
-          </ac:picMkLst>
-        </pc:picChg>
         <pc:picChg chg="add mod">
           <ac:chgData name="faik bilgen" userId="9fcb1696e65a161f" providerId="LiveId" clId="{0C3A4C9E-717D-4ADE-97E0-B0AD580B3355}" dt="2026-01-18T11:51:55.718" v="4714" actId="14100"/>
           <ac:picMkLst>
@@ -893,22 +408,6 @@
           <pc:docMk/>
           <pc:sldMk cId="725342305" sldId="343"/>
         </pc:sldMkLst>
-        <pc:spChg chg="del">
-          <ac:chgData name="faik bilgen" userId="9fcb1696e65a161f" providerId="LiveId" clId="{0C3A4C9E-717D-4ADE-97E0-B0AD580B3355}" dt="2026-01-18T11:41:12.494" v="4623" actId="478"/>
-          <ac:spMkLst>
-            <pc:docMk/>
-            <pc:sldMk cId="725342305" sldId="343"/>
-            <ac:spMk id="3" creationId="{9A1E4051-2CFB-A3EA-2999-3FEE5FD05293}"/>
-          </ac:spMkLst>
-        </pc:spChg>
-        <pc:spChg chg="add del mod">
-          <ac:chgData name="faik bilgen" userId="9fcb1696e65a161f" providerId="LiveId" clId="{0C3A4C9E-717D-4ADE-97E0-B0AD580B3355}" dt="2026-01-18T11:41:14.836" v="4624" actId="478"/>
-          <ac:spMkLst>
-            <pc:docMk/>
-            <pc:sldMk cId="725342305" sldId="343"/>
-            <ac:spMk id="5" creationId="{E46D4107-356A-C54D-FB8D-218C931CF5AA}"/>
-          </ac:spMkLst>
-        </pc:spChg>
         <pc:spChg chg="add mod">
           <ac:chgData name="faik bilgen" userId="9fcb1696e65a161f" providerId="LiveId" clId="{0C3A4C9E-717D-4ADE-97E0-B0AD580B3355}" dt="2026-01-18T11:50:04.993" v="4707" actId="1582"/>
           <ac:spMkLst>
@@ -956,30 +455,6 @@
             <ac:spMk id="4" creationId="{EA7D5E59-779C-1E45-FE95-659967F3F4A0}"/>
           </ac:spMkLst>
         </pc:spChg>
-        <pc:spChg chg="del">
-          <ac:chgData name="faik bilgen" userId="9fcb1696e65a161f" providerId="LiveId" clId="{0C3A4C9E-717D-4ADE-97E0-B0AD580B3355}" dt="2026-01-18T11:54:52.825" v="4754" actId="478"/>
-          <ac:spMkLst>
-            <pc:docMk/>
-            <pc:sldMk cId="4208932202" sldId="344"/>
-            <ac:spMk id="9" creationId="{E5092382-72E4-8647-3647-46C2F74B7A53}"/>
-          </ac:spMkLst>
-        </pc:spChg>
-        <pc:spChg chg="del">
-          <ac:chgData name="faik bilgen" userId="9fcb1696e65a161f" providerId="LiveId" clId="{0C3A4C9E-717D-4ADE-97E0-B0AD580B3355}" dt="2026-01-18T11:54:56.029" v="4755" actId="478"/>
-          <ac:spMkLst>
-            <pc:docMk/>
-            <pc:sldMk cId="4208932202" sldId="344"/>
-            <ac:spMk id="11" creationId="{86242B13-CCA2-5501-DC36-B5FB1A56E578}"/>
-          </ac:spMkLst>
-        </pc:spChg>
-        <pc:graphicFrameChg chg="del">
-          <ac:chgData name="faik bilgen" userId="9fcb1696e65a161f" providerId="LiveId" clId="{0C3A4C9E-717D-4ADE-97E0-B0AD580B3355}" dt="2026-01-18T11:54:59.479" v="4756" actId="478"/>
-          <ac:graphicFrameMkLst>
-            <pc:docMk/>
-            <pc:sldMk cId="4208932202" sldId="344"/>
-            <ac:graphicFrameMk id="6" creationId="{5A23D85B-8B3C-1451-194B-5C5C02334A79}"/>
-          </ac:graphicFrameMkLst>
-        </pc:graphicFrameChg>
       </pc:sldChg>
       <pc:sldChg chg="addSp delSp modSp add mod">
         <pc:chgData name="faik bilgen" userId="9fcb1696e65a161f" providerId="LiveId" clId="{0C3A4C9E-717D-4ADE-97E0-B0AD580B3355}" dt="2026-01-18T12:00:39.631" v="4801" actId="948"/>
@@ -993,14 +468,6 @@
             <pc:docMk/>
             <pc:sldMk cId="660422530" sldId="345"/>
             <ac:spMk id="2" creationId="{58879F0F-3E7E-49A8-2583-EA5C6B787010}"/>
-          </ac:spMkLst>
-        </pc:spChg>
-        <pc:spChg chg="del">
-          <ac:chgData name="faik bilgen" userId="9fcb1696e65a161f" providerId="LiveId" clId="{0C3A4C9E-717D-4ADE-97E0-B0AD580B3355}" dt="2026-01-18T11:59:00.703" v="4780" actId="478"/>
-          <ac:spMkLst>
-            <pc:docMk/>
-            <pc:sldMk cId="660422530" sldId="345"/>
-            <ac:spMk id="4" creationId="{F7FC0451-B973-BEA5-BBE9-CFF5B555F5A7}"/>
           </ac:spMkLst>
         </pc:spChg>
         <pc:graphicFrameChg chg="add mod modGraphic">
@@ -1026,14 +493,6 @@
             <ac:spMk id="2" creationId="{BFB93FA8-3094-1BB2-4C61-5793860175AB}"/>
           </ac:spMkLst>
         </pc:spChg>
-        <pc:graphicFrameChg chg="del">
-          <ac:chgData name="faik bilgen" userId="9fcb1696e65a161f" providerId="LiveId" clId="{0C3A4C9E-717D-4ADE-97E0-B0AD580B3355}" dt="2026-01-18T12:02:01.686" v="4829" actId="478"/>
-          <ac:graphicFrameMkLst>
-            <pc:docMk/>
-            <pc:sldMk cId="3331747759" sldId="346"/>
-            <ac:graphicFrameMk id="3" creationId="{BB7B227D-CAB6-4CEF-A6AE-8FB17F9B967B}"/>
-          </ac:graphicFrameMkLst>
-        </pc:graphicFrameChg>
         <pc:graphicFrameChg chg="add mod modGraphic">
           <ac:chgData name="faik bilgen" userId="9fcb1696e65a161f" providerId="LiveId" clId="{0C3A4C9E-717D-4ADE-97E0-B0AD580B3355}" dt="2026-01-18T12:05:50.228" v="4904" actId="1036"/>
           <ac:graphicFrameMkLst>
@@ -1065,21 +524,6 @@
             <ac:graphicFrameMk id="3" creationId="{79728FE5-F48C-03CD-EACB-50159C2F53FD}"/>
           </ac:graphicFrameMkLst>
         </pc:graphicFrameChg>
-        <pc:graphicFrameChg chg="del">
-          <ac:chgData name="faik bilgen" userId="9fcb1696e65a161f" providerId="LiveId" clId="{0C3A4C9E-717D-4ADE-97E0-B0AD580B3355}" dt="2026-01-18T12:06:17.199" v="4918" actId="478"/>
-          <ac:graphicFrameMkLst>
-            <pc:docMk/>
-            <pc:sldMk cId="3545184821" sldId="347"/>
-            <ac:graphicFrameMk id="4" creationId="{1F9C1B03-1ED5-5ADA-5104-2A75ACDD91FB}"/>
-          </ac:graphicFrameMkLst>
-        </pc:graphicFrameChg>
-      </pc:sldChg>
-      <pc:sldChg chg="add del">
-        <pc:chgData name="faik bilgen" userId="9fcb1696e65a161f" providerId="LiveId" clId="{0C3A4C9E-717D-4ADE-97E0-B0AD580B3355}" dt="2026-01-19T08:30:12.240" v="4976" actId="47"/>
-        <pc:sldMkLst>
-          <pc:docMk/>
-          <pc:sldMk cId="757455787" sldId="348"/>
-        </pc:sldMkLst>
       </pc:sldChg>
       <pc:sldChg chg="addSp delSp modSp new mod setBg">
         <pc:chgData name="faik bilgen" userId="9fcb1696e65a161f" providerId="LiveId" clId="{0C3A4C9E-717D-4ADE-97E0-B0AD580B3355}" dt="2026-01-18T12:13:29.412" v="4975" actId="27636"/>
@@ -1093,14 +537,6 @@
             <pc:docMk/>
             <pc:sldMk cId="3131274016" sldId="349"/>
             <ac:spMk id="2" creationId="{86263244-4949-EB37-4D42-76690E48CA37}"/>
-          </ac:spMkLst>
-        </pc:spChg>
-        <pc:spChg chg="del">
-          <ac:chgData name="faik bilgen" userId="9fcb1696e65a161f" providerId="LiveId" clId="{0C3A4C9E-717D-4ADE-97E0-B0AD580B3355}" dt="2026-01-18T12:11:45.388" v="4943" actId="478"/>
-          <ac:spMkLst>
-            <pc:docMk/>
-            <pc:sldMk cId="3131274016" sldId="349"/>
-            <ac:spMk id="3" creationId="{093B7F54-FC68-6991-0094-B4074FFD7085}"/>
           </ac:spMkLst>
         </pc:spChg>
         <pc:spChg chg="add mod">
@@ -1144,7 +580,7 @@
         </pc:spChg>
       </pc:sldChg>
       <pc:sldChg chg="modSp add mod ord modNotesTx">
-        <pc:chgData name="faik bilgen" userId="9fcb1696e65a161f" providerId="LiveId" clId="{0C3A4C9E-717D-4ADE-97E0-B0AD580B3355}" dt="2026-01-19T08:42:45.117" v="5101" actId="1036"/>
+        <pc:chgData name="faik bilgen" userId="9fcb1696e65a161f" providerId="LiveId" clId="{0C3A4C9E-717D-4ADE-97E0-B0AD580B3355}" dt="2026-02-06T12:11:55.871" v="5584" actId="20577"/>
         <pc:sldMkLst>
           <pc:docMk/>
           <pc:sldMk cId="1943525955" sldId="351"/>
@@ -1158,7 +594,7 @@
           </ac:spMkLst>
         </pc:spChg>
         <pc:spChg chg="mod">
-          <ac:chgData name="faik bilgen" userId="9fcb1696e65a161f" providerId="LiveId" clId="{0C3A4C9E-717D-4ADE-97E0-B0AD580B3355}" dt="2026-01-19T08:42:45.117" v="5101" actId="1036"/>
+          <ac:chgData name="faik bilgen" userId="9fcb1696e65a161f" providerId="LiveId" clId="{0C3A4C9E-717D-4ADE-97E0-B0AD580B3355}" dt="2026-02-06T12:11:55.871" v="5584" actId="20577"/>
           <ac:spMkLst>
             <pc:docMk/>
             <pc:sldMk cId="1943525955" sldId="351"/>
@@ -1326,14 +762,6 @@
             <ac:spMk id="5" creationId="{D6C67AB8-B85D-91AE-BE05-3BA13B92FC18}"/>
           </ac:spMkLst>
         </pc:spChg>
-        <pc:graphicFrameChg chg="del">
-          <ac:chgData name="faik bilgen" userId="9fcb1696e65a161f" providerId="LiveId" clId="{0C3A4C9E-717D-4ADE-97E0-B0AD580B3355}" dt="2026-01-19T12:46:49.508" v="5264" actId="478"/>
-          <ac:graphicFrameMkLst>
-            <pc:docMk/>
-            <pc:sldMk cId="376929427" sldId="358"/>
-            <ac:graphicFrameMk id="3" creationId="{5B2C6001-0F42-D634-07D1-F34C1B00E4AC}"/>
-          </ac:graphicFrameMkLst>
-        </pc:graphicFrameChg>
       </pc:sldChg>
       <pc:sldChg chg="modSp add mod">
         <pc:chgData name="faik bilgen" userId="9fcb1696e65a161f" providerId="LiveId" clId="{0C3A4C9E-717D-4ADE-97E0-B0AD580B3355}" dt="2026-01-19T12:49:38.990" v="5334" actId="1036"/>
@@ -1419,13 +847,6 @@
           </ac:spMkLst>
         </pc:spChg>
       </pc:sldChg>
-      <pc:sldChg chg="add del">
-        <pc:chgData name="faik bilgen" userId="9fcb1696e65a161f" providerId="LiveId" clId="{0C3A4C9E-717D-4ADE-97E0-B0AD580B3355}" dt="2026-01-19T13:01:23.678" v="5384" actId="47"/>
-        <pc:sldMkLst>
-          <pc:docMk/>
-          <pc:sldMk cId="3049854542" sldId="363"/>
-        </pc:sldMkLst>
-      </pc:sldChg>
       <pc:sldChg chg="addSp delSp modSp new mod">
         <pc:chgData name="faik bilgen" userId="9fcb1696e65a161f" providerId="LiveId" clId="{0C3A4C9E-717D-4ADE-97E0-B0AD580B3355}" dt="2026-01-19T13:26:35.913" v="5543" actId="13926"/>
         <pc:sldMkLst>
@@ -1438,22 +859,6 @@
             <pc:docMk/>
             <pc:sldMk cId="4129994756" sldId="363"/>
             <ac:spMk id="2" creationId="{058A4B89-FD2E-CDD1-7B1F-E654DF70EFF8}"/>
-          </ac:spMkLst>
-        </pc:spChg>
-        <pc:spChg chg="del">
-          <ac:chgData name="faik bilgen" userId="9fcb1696e65a161f" providerId="LiveId" clId="{0C3A4C9E-717D-4ADE-97E0-B0AD580B3355}" dt="2026-01-19T13:01:43.927" v="5400" actId="478"/>
-          <ac:spMkLst>
-            <pc:docMk/>
-            <pc:sldMk cId="4129994756" sldId="363"/>
-            <ac:spMk id="3" creationId="{DC4887B9-1F66-082D-7548-5DDECC380C28}"/>
-          </ac:spMkLst>
-        </pc:spChg>
-        <pc:spChg chg="add del">
-          <ac:chgData name="faik bilgen" userId="9fcb1696e65a161f" providerId="LiveId" clId="{0C3A4C9E-717D-4ADE-97E0-B0AD580B3355}" dt="2026-01-19T13:02:02.717" v="5402" actId="22"/>
-          <ac:spMkLst>
-            <pc:docMk/>
-            <pc:sldMk cId="4129994756" sldId="363"/>
-            <ac:spMk id="5" creationId="{17F45925-19C7-C31D-2358-ADDAC3D7FB1B}"/>
           </ac:spMkLst>
         </pc:spChg>
         <pc:spChg chg="add mod">
@@ -1480,14 +885,6 @@
             <ac:graphicFrameMk id="6" creationId="{A711F935-912B-1B27-1FDB-EDDCE2BEBB3A}"/>
           </ac:graphicFrameMkLst>
         </pc:graphicFrameChg>
-        <pc:picChg chg="add del mod">
-          <ac:chgData name="faik bilgen" userId="9fcb1696e65a161f" providerId="LiveId" clId="{0C3A4C9E-717D-4ADE-97E0-B0AD580B3355}" dt="2026-01-19T13:24:33.133" v="5513" actId="478"/>
-          <ac:picMkLst>
-            <pc:docMk/>
-            <pc:sldMk cId="4129994756" sldId="363"/>
-            <ac:picMk id="9" creationId="{241DDED0-B291-C139-04BB-FDC8A9463811}"/>
-          </ac:picMkLst>
-        </pc:picChg>
       </pc:sldChg>
       <pc:sldChg chg="addSp delSp modSp add mod">
         <pc:chgData name="faik bilgen" userId="9fcb1696e65a161f" providerId="LiveId" clId="{0C3A4C9E-717D-4ADE-97E0-B0AD580B3355}" dt="2026-01-19T13:28:37.552" v="5550" actId="14100"/>
@@ -1495,30 +892,6 @@
           <pc:docMk/>
           <pc:sldMk cId="917974161" sldId="364"/>
         </pc:sldMkLst>
-        <pc:spChg chg="del">
-          <ac:chgData name="faik bilgen" userId="9fcb1696e65a161f" providerId="LiveId" clId="{0C3A4C9E-717D-4ADE-97E0-B0AD580B3355}" dt="2026-01-19T13:28:25.491" v="5547" actId="478"/>
-          <ac:spMkLst>
-            <pc:docMk/>
-            <pc:sldMk cId="917974161" sldId="364"/>
-            <ac:spMk id="7" creationId="{69867567-69C5-F1BF-B5E2-D0B776FE9F87}"/>
-          </ac:spMkLst>
-        </pc:spChg>
-        <pc:spChg chg="del mod">
-          <ac:chgData name="faik bilgen" userId="9fcb1696e65a161f" providerId="LiveId" clId="{0C3A4C9E-717D-4ADE-97E0-B0AD580B3355}" dt="2026-01-19T13:28:22.048" v="5546" actId="478"/>
-          <ac:spMkLst>
-            <pc:docMk/>
-            <pc:sldMk cId="917974161" sldId="364"/>
-            <ac:spMk id="11" creationId="{FA1AD63A-B8AB-54E7-83B1-1F21B5620428}"/>
-          </ac:spMkLst>
-        </pc:spChg>
-        <pc:graphicFrameChg chg="del">
-          <ac:chgData name="faik bilgen" userId="9fcb1696e65a161f" providerId="LiveId" clId="{0C3A4C9E-717D-4ADE-97E0-B0AD580B3355}" dt="2026-01-19T13:28:25.491" v="5547" actId="478"/>
-          <ac:graphicFrameMkLst>
-            <pc:docMk/>
-            <pc:sldMk cId="917974161" sldId="364"/>
-            <ac:graphicFrameMk id="6" creationId="{DC80308B-E2FF-AAD3-9ABA-DD5D9E5F9042}"/>
-          </ac:graphicFrameMkLst>
-        </pc:graphicFrameChg>
         <pc:picChg chg="add mod">
           <ac:chgData name="faik bilgen" userId="9fcb1696e65a161f" providerId="LiveId" clId="{0C3A4C9E-717D-4ADE-97E0-B0AD580B3355}" dt="2026-01-19T13:28:37.552" v="5550" actId="14100"/>
           <ac:picMkLst>
@@ -1630,7 +1003,7 @@
           <a:p>
             <a:fld id="{0385D07E-B132-4C8F-A144-2D501431D798}" type="datetimeFigureOut">
               <a:rPr lang="en-US" smtClean="0"/>
-              <a:t>1/19/2026</a:t>
+              <a:t>2/6/2026</a:t>
             </a:fld>
             <a:endParaRPr lang="en-US"/>
           </a:p>
@@ -3226,7 +2599,7 @@
           <a:p>
             <a:fld id="{B9268321-C9E7-441E-8ECB-F5B48CA38B30}" type="datetimeFigureOut">
               <a:rPr lang="en-US" smtClean="0"/>
-              <a:t>1/19/2026</a:t>
+              <a:t>2/6/2026</a:t>
             </a:fld>
             <a:endParaRPr lang="en-US"/>
           </a:p>
@@ -3424,7 +2797,7 @@
           <a:p>
             <a:fld id="{B9268321-C9E7-441E-8ECB-F5B48CA38B30}" type="datetimeFigureOut">
               <a:rPr lang="en-US" smtClean="0"/>
-              <a:t>1/19/2026</a:t>
+              <a:t>2/6/2026</a:t>
             </a:fld>
             <a:endParaRPr lang="en-US"/>
           </a:p>
@@ -3632,7 +3005,7 @@
           <a:p>
             <a:fld id="{B9268321-C9E7-441E-8ECB-F5B48CA38B30}" type="datetimeFigureOut">
               <a:rPr lang="en-US" smtClean="0"/>
-              <a:t>1/19/2026</a:t>
+              <a:t>2/6/2026</a:t>
             </a:fld>
             <a:endParaRPr lang="en-US"/>
           </a:p>
@@ -3830,7 +3203,7 @@
           <a:p>
             <a:fld id="{B9268321-C9E7-441E-8ECB-F5B48CA38B30}" type="datetimeFigureOut">
               <a:rPr lang="en-US" smtClean="0"/>
-              <a:t>1/19/2026</a:t>
+              <a:t>2/6/2026</a:t>
             </a:fld>
             <a:endParaRPr lang="en-US"/>
           </a:p>
@@ -4105,7 +3478,7 @@
           <a:p>
             <a:fld id="{B9268321-C9E7-441E-8ECB-F5B48CA38B30}" type="datetimeFigureOut">
               <a:rPr lang="en-US" smtClean="0"/>
-              <a:t>1/19/2026</a:t>
+              <a:t>2/6/2026</a:t>
             </a:fld>
             <a:endParaRPr lang="en-US"/>
           </a:p>
@@ -4370,7 +3743,7 @@
           <a:p>
             <a:fld id="{B9268321-C9E7-441E-8ECB-F5B48CA38B30}" type="datetimeFigureOut">
               <a:rPr lang="en-US" smtClean="0"/>
-              <a:t>1/19/2026</a:t>
+              <a:t>2/6/2026</a:t>
             </a:fld>
             <a:endParaRPr lang="en-US"/>
           </a:p>
@@ -4782,7 +4155,7 @@
           <a:p>
             <a:fld id="{B9268321-C9E7-441E-8ECB-F5B48CA38B30}" type="datetimeFigureOut">
               <a:rPr lang="en-US" smtClean="0"/>
-              <a:t>1/19/2026</a:t>
+              <a:t>2/6/2026</a:t>
             </a:fld>
             <a:endParaRPr lang="en-US"/>
           </a:p>
@@ -4923,7 +4296,7 @@
           <a:p>
             <a:fld id="{B9268321-C9E7-441E-8ECB-F5B48CA38B30}" type="datetimeFigureOut">
               <a:rPr lang="en-US" smtClean="0"/>
-              <a:t>1/19/2026</a:t>
+              <a:t>2/6/2026</a:t>
             </a:fld>
             <a:endParaRPr lang="en-US"/>
           </a:p>
@@ -5036,7 +4409,7 @@
           <a:p>
             <a:fld id="{B9268321-C9E7-441E-8ECB-F5B48CA38B30}" type="datetimeFigureOut">
               <a:rPr lang="en-US" smtClean="0"/>
-              <a:t>1/19/2026</a:t>
+              <a:t>2/6/2026</a:t>
             </a:fld>
             <a:endParaRPr lang="en-US"/>
           </a:p>
@@ -5347,7 +4720,7 @@
           <a:p>
             <a:fld id="{B9268321-C9E7-441E-8ECB-F5B48CA38B30}" type="datetimeFigureOut">
               <a:rPr lang="en-US" smtClean="0"/>
-              <a:t>1/19/2026</a:t>
+              <a:t>2/6/2026</a:t>
             </a:fld>
             <a:endParaRPr lang="en-US"/>
           </a:p>
@@ -5635,7 +5008,7 @@
           <a:p>
             <a:fld id="{B9268321-C9E7-441E-8ECB-F5B48CA38B30}" type="datetimeFigureOut">
               <a:rPr lang="en-US" smtClean="0"/>
-              <a:t>1/19/2026</a:t>
+              <a:t>2/6/2026</a:t>
             </a:fld>
             <a:endParaRPr lang="en-US"/>
           </a:p>
@@ -5876,7 +5249,7 @@
           <a:p>
             <a:fld id="{B9268321-C9E7-441E-8ECB-F5B48CA38B30}" type="datetimeFigureOut">
               <a:rPr lang="en-US" smtClean="0"/>
-              <a:t>1/19/2026</a:t>
+              <a:t>2/6/2026</a:t>
             </a:fld>
             <a:endParaRPr lang="en-US"/>
           </a:p>
@@ -13153,7 +12526,15 @@
             </a:pPr>
             <a:r>
               <a:rPr lang="en-US" sz="2800" dirty="0"/>
-              <a:t>The Container Storage Interface (CSI) is a standard for exposing arbitrary block and file storage systems to containerized workloads on Container Orchestration Systems (COs) like Kubernetes. </a:t>
+              <a:t>The Container Storage Interface (CSI) is a standard for exposing arbitrary block and file storage systems to containerized workloads on Container Orchestration Systems </a:t>
+            </a:r>
+            <a:r>
+              <a:rPr lang="en-US" sz="2800"/>
+              <a:t>(COS) </a:t>
+            </a:r>
+            <a:r>
+              <a:rPr lang="en-US" sz="2800" dirty="0"/>
+              <a:t>like Kubernetes. </a:t>
             </a:r>
           </a:p>
           <a:p>
